--- a/Igor Dantas Gomes Franca (1).pptx
+++ b/Igor Dantas Gomes Franca (1).pptx
@@ -7601,6 +7601,52 @@
             </a:r>
           </a:p>
         </p:txBody>
+      </p:sp>
+      <p:sp>
+        <p:nvSpPr>
+          <p:cNvPr name="Freeform 20" id="20"/>
+          <p:cNvSpPr/>
+          <p:nvPr/>
+        </p:nvSpPr>
+        <p:spPr>
+          <a:xfrm flipH="false" flipV="false" rot="0">
+            <a:off x="13888181" y="5143500"/>
+            <a:ext cx="3082176" cy="912916"/>
+          </a:xfrm>
+          <a:custGeom>
+            <a:avLst/>
+            <a:gdLst/>
+            <a:ahLst/>
+            <a:cxnLst/>
+            <a:rect r="r" b="b" t="t" l="l"/>
+            <a:pathLst>
+              <a:path h="912916" w="3082176">
+                <a:moveTo>
+                  <a:pt x="0" y="0"/>
+                </a:moveTo>
+                <a:lnTo>
+                  <a:pt x="3082176" y="0"/>
+                </a:lnTo>
+                <a:lnTo>
+                  <a:pt x="3082176" y="912916"/>
+                </a:lnTo>
+                <a:lnTo>
+                  <a:pt x="0" y="912916"/>
+                </a:lnTo>
+                <a:lnTo>
+                  <a:pt x="0" y="0"/>
+                </a:lnTo>
+                <a:close/>
+              </a:path>
+            </a:pathLst>
+          </a:custGeom>
+          <a:blipFill>
+            <a:blip r:embed="rId5"/>
+            <a:stretch>
+              <a:fillRect l="-236288" t="-169442" r="-3905" b="-69442"/>
+            </a:stretch>
+          </a:blipFill>
+        </p:spPr>
       </p:sp>
     </p:spTree>
   </p:cSld>
